--- a/ppt/TU.pptx
+++ b/ppt/TU.pptx
@@ -6832,31 +6832,392 @@
           <a:chExt cx="0" cy="0"/>
         </a:xfrm>
       </p:grpSpPr>
-      <p:sp>
-        <p:nvSpPr>
-          <p:cNvPr id="3" name="Espace réservé du contenu 2">
+      <p:graphicFrame>
+        <p:nvGraphicFramePr>
+          <p:cNvPr id="2" name="Espace réservé du contenu 1">
             <a:extLst>
               <a:ext uri="{FF2B5EF4-FFF2-40B4-BE49-F238E27FC236}">
-                <a16:creationId xmlns:a16="http://schemas.microsoft.com/office/drawing/2014/main" id="{05ACC8AF-7893-4921-AC93-4079E70B5B8E}"/>
+                <a16:creationId xmlns:a16="http://schemas.microsoft.com/office/drawing/2014/main" id="{534C81EA-44E9-4703-B163-67A394ACD2B2}"/>
               </a:ext>
             </a:extLst>
           </p:cNvPr>
-          <p:cNvSpPr>
-            <a:spLocks noGrp="1"/>
-          </p:cNvSpPr>
+          <p:cNvGraphicFramePr>
+            <a:graphicFrameLocks noGrp="1"/>
+          </p:cNvGraphicFramePr>
           <p:nvPr>
             <p:ph idx="1"/>
+            <p:extLst>
+              <p:ext uri="{D42A27DB-BD31-4B8C-83A1-F6EECF244321}">
+                <p14:modId xmlns:p14="http://schemas.microsoft.com/office/powerpoint/2010/main" val="1513101790"/>
+              </p:ext>
+            </p:extLst>
           </p:nvPr>
-        </p:nvSpPr>
-        <p:spPr/>
-        <p:txBody>
-          <a:bodyPr/>
-          <a:lstStyle/>
-          <a:p>
-            <a:endParaRPr lang="fr-FR"/>
-          </a:p>
-        </p:txBody>
-      </p:sp>
+        </p:nvGraphicFramePr>
+        <p:xfrm>
+          <a:off x="2230437" y="838200"/>
+          <a:ext cx="7731126" cy="2590800"/>
+        </p:xfrm>
+        <a:graphic>
+          <a:graphicData uri="http://schemas.openxmlformats.org/drawingml/2006/table">
+            <a:tbl>
+              <a:tblPr firstRow="1" bandRow="1">
+                <a:tableStyleId>{5C22544A-7EE6-4342-B048-85BDC9FD1C3A}</a:tableStyleId>
+              </a:tblPr>
+              <a:tblGrid>
+                <a:gridCol w="2577042">
+                  <a:extLst>
+                    <a:ext uri="{9D8B030D-6E8A-4147-A177-3AD203B41FA5}">
+                      <a16:colId xmlns:a16="http://schemas.microsoft.com/office/drawing/2014/main" val="2484562117"/>
+                    </a:ext>
+                  </a:extLst>
+                </a:gridCol>
+                <a:gridCol w="2577042">
+                  <a:extLst>
+                    <a:ext uri="{9D8B030D-6E8A-4147-A177-3AD203B41FA5}">
+                      <a16:colId xmlns:a16="http://schemas.microsoft.com/office/drawing/2014/main" val="849542620"/>
+                    </a:ext>
+                  </a:extLst>
+                </a:gridCol>
+                <a:gridCol w="2577042">
+                  <a:extLst>
+                    <a:ext uri="{9D8B030D-6E8A-4147-A177-3AD203B41FA5}">
+                      <a16:colId xmlns:a16="http://schemas.microsoft.com/office/drawing/2014/main" val="1844119730"/>
+                    </a:ext>
+                  </a:extLst>
+                </a:gridCol>
+              </a:tblGrid>
+              <a:tr h="370840">
+                <a:tc>
+                  <a:txBody>
+                    <a:bodyPr/>
+                    <a:lstStyle/>
+                    <a:p>
+                      <a:endParaRPr lang="fr-FR" dirty="0"/>
+                    </a:p>
+                  </a:txBody>
+                  <a:tcPr/>
+                </a:tc>
+                <a:tc>
+                  <a:txBody>
+                    <a:bodyPr/>
+                    <a:lstStyle/>
+                    <a:p>
+                      <a:r>
+                        <a:rPr lang="fr-FR" dirty="0"/>
+                        <a:t>Tests Unitaires</a:t>
+                      </a:r>
+                    </a:p>
+                  </a:txBody>
+                  <a:tcPr/>
+                </a:tc>
+                <a:tc>
+                  <a:txBody>
+                    <a:bodyPr/>
+                    <a:lstStyle/>
+                    <a:p>
+                      <a:r>
+                        <a:rPr lang="fr-FR" dirty="0"/>
+                        <a:t>Tests « à la main »</a:t>
+                      </a:r>
+                    </a:p>
+                  </a:txBody>
+                  <a:tcPr/>
+                </a:tc>
+                <a:extLst>
+                  <a:ext uri="{0D108BD9-81ED-4DB2-BD59-A6C34878D82A}">
+                    <a16:rowId xmlns:a16="http://schemas.microsoft.com/office/drawing/2014/main" val="1589842035"/>
+                  </a:ext>
+                </a:extLst>
+              </a:tr>
+              <a:tr h="370840">
+                <a:tc>
+                  <a:txBody>
+                    <a:bodyPr/>
+                    <a:lstStyle/>
+                    <a:p>
+                      <a:r>
+                        <a:rPr lang="fr-FR" dirty="0"/>
+                        <a:t>Temps pour tester</a:t>
+                      </a:r>
+                    </a:p>
+                  </a:txBody>
+                  <a:tcPr/>
+                </a:tc>
+                <a:tc>
+                  <a:txBody>
+                    <a:bodyPr/>
+                    <a:lstStyle/>
+                    <a:p>
+                      <a:r>
+                        <a:rPr lang="fr-FR" dirty="0"/>
+                        <a:t>Rapide</a:t>
+                      </a:r>
+                    </a:p>
+                  </a:txBody>
+                  <a:tcPr/>
+                </a:tc>
+                <a:tc>
+                  <a:txBody>
+                    <a:bodyPr/>
+                    <a:lstStyle/>
+                    <a:p>
+                      <a:r>
+                        <a:rPr lang="fr-FR" dirty="0" err="1"/>
+                        <a:t>Lonnnnnnnnnnnnnng</a:t>
+                      </a:r>
+                      <a:endParaRPr lang="fr-FR" dirty="0"/>
+                    </a:p>
+                  </a:txBody>
+                  <a:tcPr/>
+                </a:tc>
+                <a:extLst>
+                  <a:ext uri="{0D108BD9-81ED-4DB2-BD59-A6C34878D82A}">
+                    <a16:rowId xmlns:a16="http://schemas.microsoft.com/office/drawing/2014/main" val="2723020030"/>
+                  </a:ext>
+                </a:extLst>
+              </a:tr>
+              <a:tr h="370840">
+                <a:tc>
+                  <a:txBody>
+                    <a:bodyPr/>
+                    <a:lstStyle/>
+                    <a:p>
+                      <a:r>
+                        <a:rPr lang="fr-FR" dirty="0"/>
+                        <a:t>Compréhensible</a:t>
+                      </a:r>
+                    </a:p>
+                  </a:txBody>
+                  <a:tcPr/>
+                </a:tc>
+                <a:tc>
+                  <a:txBody>
+                    <a:bodyPr/>
+                    <a:lstStyle/>
+                    <a:p>
+                      <a:r>
+                        <a:rPr lang="fr-FR" dirty="0"/>
+                        <a:t>Oui</a:t>
+                      </a:r>
+                    </a:p>
+                  </a:txBody>
+                  <a:tcPr/>
+                </a:tc>
+                <a:tc>
+                  <a:txBody>
+                    <a:bodyPr/>
+                    <a:lstStyle/>
+                    <a:p>
+                      <a:r>
+                        <a:rPr lang="fr-FR" dirty="0"/>
+                        <a:t>Non</a:t>
+                      </a:r>
+                    </a:p>
+                  </a:txBody>
+                  <a:tcPr/>
+                </a:tc>
+                <a:extLst>
+                  <a:ext uri="{0D108BD9-81ED-4DB2-BD59-A6C34878D82A}">
+                    <a16:rowId xmlns:a16="http://schemas.microsoft.com/office/drawing/2014/main" val="4181190252"/>
+                  </a:ext>
+                </a:extLst>
+              </a:tr>
+              <a:tr h="370840">
+                <a:tc>
+                  <a:txBody>
+                    <a:bodyPr/>
+                    <a:lstStyle/>
+                    <a:p>
+                      <a:r>
+                        <a:rPr lang="fr-FR" dirty="0"/>
+                        <a:t>Documenté</a:t>
+                      </a:r>
+                    </a:p>
+                  </a:txBody>
+                  <a:tcPr/>
+                </a:tc>
+                <a:tc>
+                  <a:txBody>
+                    <a:bodyPr/>
+                    <a:lstStyle/>
+                    <a:p>
+                      <a:r>
+                        <a:rPr lang="fr-FR" dirty="0"/>
+                        <a:t>Oui</a:t>
+                      </a:r>
+                    </a:p>
+                  </a:txBody>
+                  <a:tcPr/>
+                </a:tc>
+                <a:tc>
+                  <a:txBody>
+                    <a:bodyPr/>
+                    <a:lstStyle/>
+                    <a:p>
+                      <a:r>
+                        <a:rPr lang="fr-FR" dirty="0"/>
+                        <a:t>Non</a:t>
+                      </a:r>
+                    </a:p>
+                  </a:txBody>
+                  <a:tcPr/>
+                </a:tc>
+                <a:extLst>
+                  <a:ext uri="{0D108BD9-81ED-4DB2-BD59-A6C34878D82A}">
+                    <a16:rowId xmlns:a16="http://schemas.microsoft.com/office/drawing/2014/main" val="3023283872"/>
+                  </a:ext>
+                </a:extLst>
+              </a:tr>
+              <a:tr h="370840">
+                <a:tc>
+                  <a:txBody>
+                    <a:bodyPr/>
+                    <a:lstStyle/>
+                    <a:p>
+                      <a:r>
+                        <a:rPr lang="fr-FR" dirty="0"/>
+                        <a:t>Professionnel</a:t>
+                      </a:r>
+                    </a:p>
+                  </a:txBody>
+                  <a:tcPr/>
+                </a:tc>
+                <a:tc>
+                  <a:txBody>
+                    <a:bodyPr/>
+                    <a:lstStyle/>
+                    <a:p>
+                      <a:r>
+                        <a:rPr lang="fr-FR" dirty="0"/>
+                        <a:t>Oui</a:t>
+                      </a:r>
+                    </a:p>
+                  </a:txBody>
+                  <a:tcPr/>
+                </a:tc>
+                <a:tc>
+                  <a:txBody>
+                    <a:bodyPr/>
+                    <a:lstStyle/>
+                    <a:p>
+                      <a:r>
+                        <a:rPr lang="fr-FR" dirty="0"/>
+                        <a:t>Non</a:t>
+                      </a:r>
+                    </a:p>
+                  </a:txBody>
+                  <a:tcPr/>
+                </a:tc>
+                <a:extLst>
+                  <a:ext uri="{0D108BD9-81ED-4DB2-BD59-A6C34878D82A}">
+                    <a16:rowId xmlns:a16="http://schemas.microsoft.com/office/drawing/2014/main" val="1673075339"/>
+                  </a:ext>
+                </a:extLst>
+              </a:tr>
+              <a:tr h="370840">
+                <a:tc>
+                  <a:txBody>
+                    <a:bodyPr/>
+                    <a:lstStyle/>
+                    <a:p>
+                      <a:r>
+                        <a:rPr lang="fr-FR" dirty="0"/>
+                        <a:t>Régressions</a:t>
+                      </a:r>
+                    </a:p>
+                  </a:txBody>
+                  <a:tcPr/>
+                </a:tc>
+                <a:tc>
+                  <a:txBody>
+                    <a:bodyPr/>
+                    <a:lstStyle/>
+                    <a:p>
+                      <a:r>
+                        <a:rPr lang="fr-FR" dirty="0"/>
+                        <a:t>Non</a:t>
+                      </a:r>
+                    </a:p>
+                  </a:txBody>
+                  <a:tcPr/>
+                </a:tc>
+                <a:tc>
+                  <a:txBody>
+                    <a:bodyPr/>
+                    <a:lstStyle/>
+                    <a:p>
+                      <a:r>
+                        <a:rPr lang="fr-FR" dirty="0"/>
+                        <a:t>Possible</a:t>
+                      </a:r>
+                    </a:p>
+                  </a:txBody>
+                  <a:tcPr/>
+                </a:tc>
+                <a:extLst>
+                  <a:ext uri="{0D108BD9-81ED-4DB2-BD59-A6C34878D82A}">
+                    <a16:rowId xmlns:a16="http://schemas.microsoft.com/office/drawing/2014/main" val="3762309254"/>
+                  </a:ext>
+                </a:extLst>
+              </a:tr>
+              <a:tr h="245430">
+                <a:tc>
+                  <a:txBody>
+                    <a:bodyPr/>
+                    <a:lstStyle/>
+                    <a:p>
+                      <a:r>
+                        <a:rPr lang="fr-FR" dirty="0"/>
+                        <a:t>Confiance</a:t>
+                      </a:r>
+                    </a:p>
+                  </a:txBody>
+                  <a:tcPr/>
+                </a:tc>
+                <a:tc>
+                  <a:txBody>
+                    <a:bodyPr/>
+                    <a:lstStyle/>
+                    <a:p>
+                      <a:r>
+                        <a:rPr lang="fr-FR" dirty="0"/>
+                        <a:t>Oui</a:t>
+                      </a:r>
+                    </a:p>
+                  </a:txBody>
+                  <a:tcPr/>
+                </a:tc>
+                <a:tc>
+                  <a:txBody>
+                    <a:bodyPr/>
+                    <a:lstStyle/>
+                    <a:p>
+                      <a:r>
+                        <a:rPr lang="fr-FR" dirty="0"/>
+                        <a:t>« </a:t>
+                      </a:r>
+                      <a:r>
+                        <a:rPr lang="fr-FR" dirty="0" err="1"/>
+                        <a:t>Tqt</a:t>
+                      </a:r>
+                      <a:r>
+                        <a:rPr lang="fr-FR" dirty="0"/>
+                        <a:t> »</a:t>
+                      </a:r>
+                    </a:p>
+                  </a:txBody>
+                  <a:tcPr/>
+                </a:tc>
+                <a:extLst>
+                  <a:ext uri="{0D108BD9-81ED-4DB2-BD59-A6C34878D82A}">
+                    <a16:rowId xmlns:a16="http://schemas.microsoft.com/office/drawing/2014/main" val="3030241698"/>
+                  </a:ext>
+                </a:extLst>
+              </a:tr>
+            </a:tbl>
+          </a:graphicData>
+        </a:graphic>
+      </p:graphicFrame>
       <p:pic>
         <p:nvPicPr>
           <p:cNvPr id="4" name="Image 3">
@@ -6887,6 +7248,84 @@
           </a:prstGeom>
         </p:spPr>
       </p:pic>
+      <p:sp>
+        <p:nvSpPr>
+          <p:cNvPr id="5" name="ZoneTexte 4">
+            <a:extLst>
+              <a:ext uri="{FF2B5EF4-FFF2-40B4-BE49-F238E27FC236}">
+                <a16:creationId xmlns:a16="http://schemas.microsoft.com/office/drawing/2014/main" id="{A389FCDE-CECC-44CC-931C-219717B815AF}"/>
+              </a:ext>
+            </a:extLst>
+          </p:cNvPr>
+          <p:cNvSpPr txBox="1"/>
+          <p:nvPr/>
+        </p:nvSpPr>
+        <p:spPr>
+          <a:xfrm>
+            <a:off x="2230437" y="3892492"/>
+            <a:ext cx="4915961" cy="1569660"/>
+          </a:xfrm>
+          <a:prstGeom prst="rect">
+            <a:avLst/>
+          </a:prstGeom>
+          <a:noFill/>
+        </p:spPr>
+        <p:txBody>
+          <a:bodyPr wrap="none" rtlCol="0">
+            <a:spAutoFit/>
+          </a:bodyPr>
+          <a:lstStyle/>
+          <a:p>
+            <a:r>
+              <a:rPr lang="fr-FR" sz="2400" dirty="0">
+                <a:solidFill>
+                  <a:schemeClr val="accent2"/>
+                </a:solidFill>
+              </a:rPr>
+              <a:t>Désavantages :</a:t>
+            </a:r>
+          </a:p>
+          <a:p>
+            <a:pPr marL="742950" lvl="1" indent="-285750">
+              <a:buFontTx/>
+              <a:buChar char="-"/>
+            </a:pPr>
+            <a:r>
+              <a:rPr lang="fr-FR" sz="2400" dirty="0">
+                <a:solidFill>
+                  <a:schemeClr val="accent2"/>
+                </a:solidFill>
+              </a:rPr>
+              <a:t>Peuvent être coûteux en temps.</a:t>
+            </a:r>
+          </a:p>
+          <a:p>
+            <a:pPr marL="742950" lvl="1" indent="-285750">
+              <a:buFontTx/>
+              <a:buChar char="-"/>
+            </a:pPr>
+            <a:r>
+              <a:rPr lang="fr-FR" sz="2400" dirty="0">
+                <a:solidFill>
+                  <a:schemeClr val="accent2"/>
+                </a:solidFill>
+              </a:rPr>
+              <a:t>Parfois complexe à concevoir.</a:t>
+            </a:r>
+          </a:p>
+          <a:p>
+            <a:pPr marL="285750" indent="-285750">
+              <a:buFontTx/>
+              <a:buChar char="-"/>
+            </a:pPr>
+            <a:endParaRPr lang="fr-FR" sz="2400" dirty="0">
+              <a:solidFill>
+                <a:schemeClr val="accent2"/>
+              </a:solidFill>
+            </a:endParaRPr>
+          </a:p>
+        </p:txBody>
+      </p:sp>
     </p:spTree>
     <p:extLst>
       <p:ext uri="{BB962C8B-B14F-4D97-AF65-F5344CB8AC3E}">
